--- a/dist/Final Project.pptx
+++ b/dist/Final Project.pptx
@@ -233,7 +233,7 @@
           <a:p>
             <a:fld id="{9D8190EA-5EEC-4300-B6AE-D9734C6C648E}" type="datetimeFigureOut">
               <a:rPr lang="en-US" smtClean="0"/>
-              <a:t>1/8/2025</a:t>
+              <a:t>1/14/2025</a:t>
             </a:fld>
             <a:endParaRPr lang="en-US"/>
           </a:p>
@@ -410,7 +410,7 @@
           <a:p>
             <a:fld id="{7487ADD9-2083-264C-A652-8D52D02F7E72}" type="datetimeFigureOut">
               <a:rPr lang="en-US" smtClean="0"/>
-              <a:t>1/8/2025</a:t>
+              <a:t>1/14/2025</a:t>
             </a:fld>
             <a:endParaRPr lang="en-US"/>
           </a:p>
@@ -9121,10 +9121,10 @@
       </p:sp>
       <p:pic>
         <p:nvPicPr>
-          <p:cNvPr id="11" name="Content Placeholder 10">
+          <p:cNvPr id="6" name="Content Placeholder 5">
             <a:extLst>
               <a:ext uri="{FF2B5EF4-FFF2-40B4-BE49-F238E27FC236}">
-                <a16:creationId xmlns:a16="http://schemas.microsoft.com/office/drawing/2014/main" id="{7C5F9BEA-5D10-4993-BC17-2D975E9F9AC0}"/>
+                <a16:creationId xmlns:a16="http://schemas.microsoft.com/office/drawing/2014/main" id="{7DBF2F55-9831-437E-8F44-E32624B7F45E}"/>
               </a:ext>
             </a:extLst>
           </p:cNvPr>
@@ -9137,22 +9137,23 @@
         </p:nvPicPr>
         <p:blipFill>
           <a:blip r:embed="rId2"/>
-          <a:srcRect/>
-          <a:stretch/>
+          <a:stretch>
+            <a:fillRect/>
+          </a:stretch>
         </p:blipFill>
         <p:spPr>
           <a:xfrm>
-            <a:off x="1473665" y="2224490"/>
-            <a:ext cx="4055643" cy="3137682"/>
+            <a:off x="1158864" y="2050847"/>
+            <a:ext cx="3956327" cy="3367087"/>
           </a:xfrm>
         </p:spPr>
       </p:pic>
       <p:pic>
         <p:nvPicPr>
-          <p:cNvPr id="12" name="Content Placeholder 10">
+          <p:cNvPr id="9" name="Content Placeholder 5">
             <a:extLst>
               <a:ext uri="{FF2B5EF4-FFF2-40B4-BE49-F238E27FC236}">
-                <a16:creationId xmlns:a16="http://schemas.microsoft.com/office/drawing/2014/main" id="{CBC2889B-D132-4B14-90A6-1ECB9C6C96AC}"/>
+                <a16:creationId xmlns:a16="http://schemas.microsoft.com/office/drawing/2014/main" id="{C87916EF-BA7B-4569-B925-2DE3828FED9A}"/>
               </a:ext>
             </a:extLst>
           </p:cNvPr>
@@ -9168,8 +9169,8 @@
         </p:blipFill>
         <p:spPr>
           <a:xfrm>
-            <a:off x="5807447" y="2332412"/>
-            <a:ext cx="4055643" cy="3085522"/>
+            <a:off x="5235193" y="2050847"/>
+            <a:ext cx="3956327" cy="3571498"/>
           </a:xfrm>
           <a:prstGeom prst="rect">
             <a:avLst/>
@@ -9236,10 +9237,10 @@
       </p:sp>
       <p:pic>
         <p:nvPicPr>
-          <p:cNvPr id="5" name="Content Placeholder 4">
+          <p:cNvPr id="7" name="Content Placeholder 6">
             <a:extLst>
               <a:ext uri="{FF2B5EF4-FFF2-40B4-BE49-F238E27FC236}">
-                <a16:creationId xmlns:a16="http://schemas.microsoft.com/office/drawing/2014/main" id="{07DA0D87-B6E2-49FE-9375-3C3C6062D395}"/>
+                <a16:creationId xmlns:a16="http://schemas.microsoft.com/office/drawing/2014/main" id="{469F309B-C665-4CBD-BFB8-8CB659CDBCF1}"/>
               </a:ext>
             </a:extLst>
           </p:cNvPr>
@@ -9252,14 +9253,44 @@
         </p:nvPicPr>
         <p:blipFill>
           <a:blip r:embed="rId2"/>
+          <a:stretch>
+            <a:fillRect/>
+          </a:stretch>
+        </p:blipFill>
+        <p:spPr>
+          <a:xfrm>
+            <a:off x="727968" y="2053224"/>
+            <a:ext cx="4536489" cy="3367087"/>
+          </a:xfrm>
+        </p:spPr>
+      </p:pic>
+      <p:pic>
+        <p:nvPicPr>
+          <p:cNvPr id="8" name="Content Placeholder 6">
+            <a:extLst>
+              <a:ext uri="{FF2B5EF4-FFF2-40B4-BE49-F238E27FC236}">
+                <a16:creationId xmlns:a16="http://schemas.microsoft.com/office/drawing/2014/main" id="{4273C2AE-9287-443F-B2C9-15B3371D076C}"/>
+              </a:ext>
+            </a:extLst>
+          </p:cNvPr>
+          <p:cNvPicPr>
+            <a:picLocks noChangeAspect="1"/>
+          </p:cNvPicPr>
+          <p:nvPr/>
+        </p:nvPicPr>
+        <p:blipFill>
+          <a:blip r:embed="rId3"/>
           <a:srcRect/>
           <a:stretch/>
         </p:blipFill>
         <p:spPr>
           <a:xfrm>
-            <a:off x="1158875" y="1996729"/>
-            <a:ext cx="8935036" cy="3747751"/>
+            <a:off x="4048217" y="2053224"/>
+            <a:ext cx="7217545" cy="3078069"/>
           </a:xfrm>
+          <a:prstGeom prst="rect">
+            <a:avLst/>
+          </a:prstGeom>
         </p:spPr>
       </p:pic>
     </p:spTree>
@@ -10270,23 +10301,12 @@
 </file>
 
 <file path=customXml/item1.xml><?xml version="1.0" encoding="utf-8"?>
-<p:properties xmlns:p="http://schemas.microsoft.com/office/2006/metadata/properties" xmlns:xsi="http://www.w3.org/2001/XMLSchema-instance" xmlns:pc="http://schemas.microsoft.com/office/infopath/2007/PartnerControls">
-  <documentManagement>
-    <_ip_UnifiedCompliancePolicyUIAction xmlns="http://schemas.microsoft.com/sharepoint/v3" xsi:nil="true"/>
-    <Image xmlns="71af3243-3dd4-4a8d-8c0d-dd76da1f02a5">
-      <Url xsi:nil="true"/>
-      <Description xsi:nil="true"/>
-    </Image>
-    <Status xmlns="71af3243-3dd4-4a8d-8c0d-dd76da1f02a5">Not started</Status>
-    <Background xmlns="71af3243-3dd4-4a8d-8c0d-dd76da1f02a5">false</Background>
-    <_ip_UnifiedCompliancePolicyProperties xmlns="http://schemas.microsoft.com/sharepoint/v3" xsi:nil="true"/>
-    <ImageTagsTaxHTField xmlns="71af3243-3dd4-4a8d-8c0d-dd76da1f02a5">
-      <Terms xmlns="http://schemas.microsoft.com/office/infopath/2007/PartnerControls"/>
-    </ImageTagsTaxHTField>
-    <TaxCatchAll xmlns="230e9df3-be65-4c73-a93b-d1236ebd677e" xsi:nil="true"/>
-    <MediaServiceKeyPoints xmlns="71af3243-3dd4-4a8d-8c0d-dd76da1f02a5" xsi:nil="true"/>
-  </documentManagement>
-</p:properties>
+<?mso-contentType ?>
+<FormTemplates xmlns="http://schemas.microsoft.com/sharepoint/v3/contenttype/forms">
+  <Display>DocumentLibraryForm</Display>
+  <Edit>DocumentLibraryForm</Edit>
+  <New>DocumentLibraryForm</New>
+</FormTemplates>
 </file>
 
 <file path=customXml/item2.xml><?xml version="1.0" encoding="utf-8"?>
@@ -10602,22 +10622,29 @@
 </file>
 
 <file path=customXml/item3.xml><?xml version="1.0" encoding="utf-8"?>
-<?mso-contentType ?>
-<FormTemplates xmlns="http://schemas.microsoft.com/sharepoint/v3/contenttype/forms">
-  <Display>DocumentLibraryForm</Display>
-  <Edit>DocumentLibraryForm</Edit>
-  <New>DocumentLibraryForm</New>
-</FormTemplates>
+<p:properties xmlns:p="http://schemas.microsoft.com/office/2006/metadata/properties" xmlns:xsi="http://www.w3.org/2001/XMLSchema-instance" xmlns:pc="http://schemas.microsoft.com/office/infopath/2007/PartnerControls">
+  <documentManagement>
+    <_ip_UnifiedCompliancePolicyUIAction xmlns="http://schemas.microsoft.com/sharepoint/v3" xsi:nil="true"/>
+    <Image xmlns="71af3243-3dd4-4a8d-8c0d-dd76da1f02a5">
+      <Url xsi:nil="true"/>
+      <Description xsi:nil="true"/>
+    </Image>
+    <Status xmlns="71af3243-3dd4-4a8d-8c0d-dd76da1f02a5">Not started</Status>
+    <Background xmlns="71af3243-3dd4-4a8d-8c0d-dd76da1f02a5">false</Background>
+    <_ip_UnifiedCompliancePolicyProperties xmlns="http://schemas.microsoft.com/sharepoint/v3" xsi:nil="true"/>
+    <ImageTagsTaxHTField xmlns="71af3243-3dd4-4a8d-8c0d-dd76da1f02a5">
+      <Terms xmlns="http://schemas.microsoft.com/office/infopath/2007/PartnerControls"/>
+    </ImageTagsTaxHTField>
+    <TaxCatchAll xmlns="230e9df3-be65-4c73-a93b-d1236ebd677e" xsi:nil="true"/>
+    <MediaServiceKeyPoints xmlns="71af3243-3dd4-4a8d-8c0d-dd76da1f02a5" xsi:nil="true"/>
+  </documentManagement>
+</p:properties>
 </file>
 
 <file path=customXml/itemProps1.xml><?xml version="1.0" encoding="utf-8"?>
-<ds:datastoreItem xmlns:ds="http://schemas.openxmlformats.org/officeDocument/2006/customXml" ds:itemID="{61E98C35-9ECE-4425-BCBA-00E118C705CE}">
+<ds:datastoreItem xmlns:ds="http://schemas.openxmlformats.org/officeDocument/2006/customXml" ds:itemID="{45A8381C-73EB-48EA-B45F-7B7C8C7DF409}">
   <ds:schemaRefs>
-    <ds:schemaRef ds:uri="http://schemas.microsoft.com/office/2006/metadata/properties"/>
-    <ds:schemaRef ds:uri="http://schemas.microsoft.com/office/infopath/2007/PartnerControls"/>
-    <ds:schemaRef ds:uri="http://schemas.microsoft.com/sharepoint/v3"/>
-    <ds:schemaRef ds:uri="71af3243-3dd4-4a8d-8c0d-dd76da1f02a5"/>
-    <ds:schemaRef ds:uri="230e9df3-be65-4c73-a93b-d1236ebd677e"/>
+    <ds:schemaRef ds:uri="http://schemas.microsoft.com/sharepoint/v3/contenttype/forms"/>
   </ds:schemaRefs>
 </ds:datastoreItem>
 </file>
@@ -10644,9 +10671,13 @@
 </file>
 
 <file path=customXml/itemProps3.xml><?xml version="1.0" encoding="utf-8"?>
-<ds:datastoreItem xmlns:ds="http://schemas.openxmlformats.org/officeDocument/2006/customXml" ds:itemID="{45A8381C-73EB-48EA-B45F-7B7C8C7DF409}">
+<ds:datastoreItem xmlns:ds="http://schemas.openxmlformats.org/officeDocument/2006/customXml" ds:itemID="{61E98C35-9ECE-4425-BCBA-00E118C705CE}">
   <ds:schemaRefs>
-    <ds:schemaRef ds:uri="http://schemas.microsoft.com/sharepoint/v3/contenttype/forms"/>
+    <ds:schemaRef ds:uri="http://schemas.microsoft.com/office/2006/metadata/properties"/>
+    <ds:schemaRef ds:uri="http://schemas.microsoft.com/office/infopath/2007/PartnerControls"/>
+    <ds:schemaRef ds:uri="http://schemas.microsoft.com/sharepoint/v3"/>
+    <ds:schemaRef ds:uri="71af3243-3dd4-4a8d-8c0d-dd76da1f02a5"/>
+    <ds:schemaRef ds:uri="230e9df3-be65-4c73-a93b-d1236ebd677e"/>
   </ds:schemaRefs>
 </ds:datastoreItem>
 </file>
